--- a/presentation/pitch_water_moon.pptx
+++ b/presentation/pitch_water_moon.pptx
@@ -3992,230 +3992,9 @@
           <a:chExt cx="0" cy="0"/>
         </a:xfrm>
       </p:grpSpPr>
-      <p:pic>
-        <p:nvPicPr>
-          <p:cNvPr id="130" name="slide2.png" descr="slide2.png"/>
-          <p:cNvPicPr>
-            <a:picLocks noChangeAspect="1"/>
-          </p:cNvPicPr>
-          <p:nvPr/>
-        </p:nvPicPr>
-        <p:blipFill>
-          <a:blip r:embed="rId2">
-            <a:extLst/>
-          </a:blip>
-          <a:stretch>
-            <a:fillRect/>
-          </a:stretch>
-        </p:blipFill>
-        <p:spPr>
-          <a:xfrm>
-            <a:off x="1233546" y="-392054"/>
-            <a:ext cx="10537708" cy="10537708"/>
-          </a:xfrm>
-          <a:prstGeom prst="rect">
-            <a:avLst/>
-          </a:prstGeom>
-          <a:ln w="12700">
-            <a:miter lim="400000"/>
-          </a:ln>
-        </p:spPr>
-      </p:pic>
-    </p:spTree>
-  </p:cSld>
-  <p:clrMapOvr>
-    <a:masterClrMapping/>
-  </p:clrMapOvr>
-  <p:transition xmlns:p14="http://schemas.microsoft.com/office/powerpoint/2010/main" spd="med" advClick="1"/>
-</p:sld>
-</file>
-
-<file path=ppt/slides/slide5.xml><?xml version="1.0" encoding="utf-8"?>
-<p:sld xmlns:a="http://schemas.openxmlformats.org/drawingml/2006/main" xmlns:r="http://schemas.openxmlformats.org/officeDocument/2006/relationships" xmlns:p="http://schemas.openxmlformats.org/presentationml/2006/main" xmlns:m="http://schemas.openxmlformats.org/officeDocument/2006/math" xmlns:a14="http://schemas.microsoft.com/office/drawing/2010/main" showMasterSp="1" showMasterPhAnim="1">
-  <p:cSld>
-    <p:spTree>
-      <p:nvGrpSpPr>
-        <p:cNvPr id="1" name=""/>
-        <p:cNvGrpSpPr/>
-        <p:nvPr/>
-      </p:nvGrpSpPr>
-      <p:grpSpPr>
-        <a:xfrm>
-          <a:off x="0" y="0"/>
-          <a:ext cx="0" cy="0"/>
-          <a:chOff x="0" y="0"/>
-          <a:chExt cx="0" cy="0"/>
-        </a:xfrm>
-      </p:grpSpPr>
-      <p:pic>
-        <p:nvPicPr>
-          <p:cNvPr id="132" name="slide3.png" descr="slide3.png"/>
-          <p:cNvPicPr>
-            <a:picLocks noChangeAspect="1"/>
-          </p:cNvPicPr>
-          <p:nvPr/>
-        </p:nvPicPr>
-        <p:blipFill>
-          <a:blip r:embed="rId2">
-            <a:extLst/>
-          </a:blip>
-          <a:stretch>
-            <a:fillRect/>
-          </a:stretch>
-        </p:blipFill>
-        <p:spPr>
-          <a:xfrm>
-            <a:off x="1263120" y="-362480"/>
-            <a:ext cx="10478560" cy="10478560"/>
-          </a:xfrm>
-          <a:prstGeom prst="rect">
-            <a:avLst/>
-          </a:prstGeom>
-          <a:ln w="12700">
-            <a:miter lim="400000"/>
-          </a:ln>
-        </p:spPr>
-      </p:pic>
-    </p:spTree>
-  </p:cSld>
-  <p:clrMapOvr>
-    <a:masterClrMapping/>
-  </p:clrMapOvr>
-  <p:transition xmlns:p14="http://schemas.microsoft.com/office/powerpoint/2010/main" spd="med" advClick="1"/>
-</p:sld>
-</file>
-
-<file path=ppt/slides/slide6.xml><?xml version="1.0" encoding="utf-8"?>
-<p:sld xmlns:a="http://schemas.openxmlformats.org/drawingml/2006/main" xmlns:r="http://schemas.openxmlformats.org/officeDocument/2006/relationships" xmlns:p="http://schemas.openxmlformats.org/presentationml/2006/main" xmlns:m="http://schemas.openxmlformats.org/officeDocument/2006/math" xmlns:a14="http://schemas.microsoft.com/office/drawing/2010/main" showMasterSp="1" showMasterPhAnim="1">
-  <p:cSld>
-    <p:spTree>
-      <p:nvGrpSpPr>
-        <p:cNvPr id="1" name=""/>
-        <p:cNvGrpSpPr/>
-        <p:nvPr/>
-      </p:nvGrpSpPr>
-      <p:grpSpPr>
-        <a:xfrm>
-          <a:off x="0" y="0"/>
-          <a:ext cx="0" cy="0"/>
-          <a:chOff x="0" y="0"/>
-          <a:chExt cx="0" cy="0"/>
-        </a:xfrm>
-      </p:grpSpPr>
-      <p:pic>
-        <p:nvPicPr>
-          <p:cNvPr id="134" name="slide4.png" descr="slide4.png"/>
-          <p:cNvPicPr>
-            <a:picLocks noChangeAspect="1"/>
-          </p:cNvPicPr>
-          <p:nvPr/>
-        </p:nvPicPr>
-        <p:blipFill>
-          <a:blip r:embed="rId2">
-            <a:extLst/>
-          </a:blip>
-          <a:srcRect l="0" t="127" r="49900" b="127"/>
-          <a:stretch>
-            <a:fillRect/>
-          </a:stretch>
-        </p:blipFill>
-        <p:spPr>
-          <a:xfrm>
-            <a:off x="2425303" y="-3240274"/>
-            <a:ext cx="8154076" cy="16234328"/>
-          </a:xfrm>
-          <a:prstGeom prst="rect">
-            <a:avLst/>
-          </a:prstGeom>
-          <a:ln w="12700">
-            <a:miter lim="400000"/>
-          </a:ln>
-        </p:spPr>
-      </p:pic>
-    </p:spTree>
-  </p:cSld>
-  <p:clrMapOvr>
-    <a:masterClrMapping/>
-  </p:clrMapOvr>
-  <p:transition xmlns:p14="http://schemas.microsoft.com/office/powerpoint/2010/main" spd="med" advClick="1"/>
-</p:sld>
-</file>
-
-<file path=ppt/slides/slide7.xml><?xml version="1.0" encoding="utf-8"?>
-<p:sld xmlns:a="http://schemas.openxmlformats.org/drawingml/2006/main" xmlns:r="http://schemas.openxmlformats.org/officeDocument/2006/relationships" xmlns:p="http://schemas.openxmlformats.org/presentationml/2006/main" xmlns:m="http://schemas.openxmlformats.org/officeDocument/2006/math" xmlns:a14="http://schemas.microsoft.com/office/drawing/2010/main" showMasterSp="1" showMasterPhAnim="1">
-  <p:cSld>
-    <p:spTree>
-      <p:nvGrpSpPr>
-        <p:cNvPr id="1" name=""/>
-        <p:cNvGrpSpPr/>
-        <p:nvPr/>
-      </p:nvGrpSpPr>
-      <p:grpSpPr>
-        <a:xfrm>
-          <a:off x="0" y="0"/>
-          <a:ext cx="0" cy="0"/>
-          <a:chOff x="0" y="0"/>
-          <a:chExt cx="0" cy="0"/>
-        </a:xfrm>
-      </p:grpSpPr>
-      <p:pic>
-        <p:nvPicPr>
-          <p:cNvPr id="136" name="slide5.png" descr="slide5.png"/>
-          <p:cNvPicPr>
-            <a:picLocks noChangeAspect="1"/>
-          </p:cNvPicPr>
-          <p:nvPr/>
-        </p:nvPicPr>
-        <p:blipFill>
-          <a:blip r:embed="rId2">
-            <a:extLst/>
-          </a:blip>
-          <a:stretch>
-            <a:fillRect/>
-          </a:stretch>
-        </p:blipFill>
-        <p:spPr>
-          <a:xfrm>
-            <a:off x="1032967" y="-592633"/>
-            <a:ext cx="10938866" cy="10938866"/>
-          </a:xfrm>
-          <a:prstGeom prst="rect">
-            <a:avLst/>
-          </a:prstGeom>
-          <a:ln w="12700">
-            <a:miter lim="400000"/>
-          </a:ln>
-        </p:spPr>
-      </p:pic>
-    </p:spTree>
-  </p:cSld>
-  <p:clrMapOvr>
-    <a:masterClrMapping/>
-  </p:clrMapOvr>
-  <p:transition xmlns:p14="http://schemas.microsoft.com/office/powerpoint/2010/main" spd="med" advClick="1"/>
-</p:sld>
-</file>
-
-<file path=ppt/slides/slide8.xml><?xml version="1.0" encoding="utf-8"?>
-<p:sld xmlns:a="http://schemas.openxmlformats.org/drawingml/2006/main" xmlns:r="http://schemas.openxmlformats.org/officeDocument/2006/relationships" xmlns:p="http://schemas.openxmlformats.org/presentationml/2006/main" xmlns:m="http://schemas.openxmlformats.org/officeDocument/2006/math" xmlns:a14="http://schemas.microsoft.com/office/drawing/2010/main" showMasterSp="1" showMasterPhAnim="1">
-  <p:cSld>
-    <p:spTree>
-      <p:nvGrpSpPr>
-        <p:cNvPr id="1" name=""/>
-        <p:cNvGrpSpPr/>
-        <p:nvPr/>
-      </p:nvGrpSpPr>
-      <p:grpSpPr>
-        <a:xfrm>
-          <a:off x="0" y="0"/>
-          <a:ext cx="0" cy="0"/>
-          <a:chOff x="0" y="0"/>
-          <a:chExt cx="0" cy="0"/>
-        </a:xfrm>
-      </p:grpSpPr>
       <p:sp>
         <p:nvSpPr>
-          <p:cNvPr id="138" name="Oval"/>
+          <p:cNvPr id="130" name="Oval"/>
           <p:cNvSpPr/>
           <p:nvPr/>
         </p:nvSpPr>
@@ -4258,7 +4037,7 @@
       </p:sp>
       <p:pic>
         <p:nvPicPr>
-          <p:cNvPr id="139" name="rocket_rover.png" descr="rocket_rover.png"/>
+          <p:cNvPr id="131" name="rocket_rover.png" descr="rocket_rover.png"/>
           <p:cNvPicPr>
             <a:picLocks noChangeAspect="1"/>
           </p:cNvPicPr>
@@ -4288,7 +4067,7 @@
       </p:pic>
       <p:pic>
         <p:nvPicPr>
-          <p:cNvPr id="140" name="rocket_rover.png" descr="rocket_rover.png"/>
+          <p:cNvPr id="132" name="rocket_rover.png" descr="rocket_rover.png"/>
           <p:cNvPicPr>
             <a:picLocks noChangeAspect="1"/>
           </p:cNvPicPr>
@@ -4318,7 +4097,7 @@
       </p:pic>
       <p:sp>
         <p:nvSpPr>
-          <p:cNvPr id="141" name="x"/>
+          <p:cNvPr id="133" name="x"/>
           <p:cNvSpPr txBox="1"/>
           <p:nvPr/>
         </p:nvSpPr>
@@ -4358,7 +4137,7 @@
       </p:sp>
       <p:sp>
         <p:nvSpPr>
-          <p:cNvPr id="142" name="Arrow"/>
+          <p:cNvPr id="134" name="Arrow"/>
           <p:cNvSpPr/>
           <p:nvPr/>
         </p:nvSpPr>
@@ -4400,7 +4179,7 @@
       </p:sp>
       <p:sp>
         <p:nvSpPr>
-          <p:cNvPr id="143" name="Water Drop"/>
+          <p:cNvPr id="135" name="Water Drop"/>
           <p:cNvSpPr/>
           <p:nvPr/>
         </p:nvSpPr>
@@ -4524,7 +4303,7 @@
       </p:sp>
       <p:sp>
         <p:nvSpPr>
-          <p:cNvPr id="144" name="Water Drop"/>
+          <p:cNvPr id="136" name="Water Drop"/>
           <p:cNvSpPr/>
           <p:nvPr/>
         </p:nvSpPr>
@@ -4648,7 +4427,7 @@
       </p:sp>
       <p:sp>
         <p:nvSpPr>
-          <p:cNvPr id="145" name="Water Drop"/>
+          <p:cNvPr id="137" name="Water Drop"/>
           <p:cNvSpPr/>
           <p:nvPr/>
         </p:nvSpPr>
@@ -4770,6 +4549,227 @@
           </a:p>
         </p:txBody>
       </p:sp>
+    </p:spTree>
+  </p:cSld>
+  <p:clrMapOvr>
+    <a:masterClrMapping/>
+  </p:clrMapOvr>
+  <p:transition xmlns:p14="http://schemas.microsoft.com/office/powerpoint/2010/main" spd="med" advClick="1"/>
+</p:sld>
+</file>
+
+<file path=ppt/slides/slide5.xml><?xml version="1.0" encoding="utf-8"?>
+<p:sld xmlns:a="http://schemas.openxmlformats.org/drawingml/2006/main" xmlns:r="http://schemas.openxmlformats.org/officeDocument/2006/relationships" xmlns:p="http://schemas.openxmlformats.org/presentationml/2006/main" xmlns:m="http://schemas.openxmlformats.org/officeDocument/2006/math" xmlns:a14="http://schemas.microsoft.com/office/drawing/2010/main" show="0" showMasterSp="1" showMasterPhAnim="1">
+  <p:cSld>
+    <p:spTree>
+      <p:nvGrpSpPr>
+        <p:cNvPr id="1" name=""/>
+        <p:cNvGrpSpPr/>
+        <p:nvPr/>
+      </p:nvGrpSpPr>
+      <p:grpSpPr>
+        <a:xfrm>
+          <a:off x="0" y="0"/>
+          <a:ext cx="0" cy="0"/>
+          <a:chOff x="0" y="0"/>
+          <a:chExt cx="0" cy="0"/>
+        </a:xfrm>
+      </p:grpSpPr>
+      <p:pic>
+        <p:nvPicPr>
+          <p:cNvPr id="139" name="slide2.png" descr="slide2.png"/>
+          <p:cNvPicPr>
+            <a:picLocks noChangeAspect="1"/>
+          </p:cNvPicPr>
+          <p:nvPr/>
+        </p:nvPicPr>
+        <p:blipFill>
+          <a:blip r:embed="rId2">
+            <a:extLst/>
+          </a:blip>
+          <a:stretch>
+            <a:fillRect/>
+          </a:stretch>
+        </p:blipFill>
+        <p:spPr>
+          <a:xfrm>
+            <a:off x="1233546" y="-392054"/>
+            <a:ext cx="10537708" cy="10537708"/>
+          </a:xfrm>
+          <a:prstGeom prst="rect">
+            <a:avLst/>
+          </a:prstGeom>
+          <a:ln w="12700">
+            <a:miter lim="400000"/>
+          </a:ln>
+        </p:spPr>
+      </p:pic>
+    </p:spTree>
+  </p:cSld>
+  <p:clrMapOvr>
+    <a:masterClrMapping/>
+  </p:clrMapOvr>
+  <p:transition xmlns:p14="http://schemas.microsoft.com/office/powerpoint/2010/main" spd="med" advClick="1"/>
+</p:sld>
+</file>
+
+<file path=ppt/slides/slide6.xml><?xml version="1.0" encoding="utf-8"?>
+<p:sld xmlns:a="http://schemas.openxmlformats.org/drawingml/2006/main" xmlns:r="http://schemas.openxmlformats.org/officeDocument/2006/relationships" xmlns:p="http://schemas.openxmlformats.org/presentationml/2006/main" xmlns:m="http://schemas.openxmlformats.org/officeDocument/2006/math" xmlns:a14="http://schemas.microsoft.com/office/drawing/2010/main" showMasterSp="1" showMasterPhAnim="1">
+  <p:cSld>
+    <p:spTree>
+      <p:nvGrpSpPr>
+        <p:cNvPr id="1" name=""/>
+        <p:cNvGrpSpPr/>
+        <p:nvPr/>
+      </p:nvGrpSpPr>
+      <p:grpSpPr>
+        <a:xfrm>
+          <a:off x="0" y="0"/>
+          <a:ext cx="0" cy="0"/>
+          <a:chOff x="0" y="0"/>
+          <a:chExt cx="0" cy="0"/>
+        </a:xfrm>
+      </p:grpSpPr>
+      <p:pic>
+        <p:nvPicPr>
+          <p:cNvPr id="141" name="slide3.png" descr="slide3.png"/>
+          <p:cNvPicPr>
+            <a:picLocks noChangeAspect="1"/>
+          </p:cNvPicPr>
+          <p:nvPr/>
+        </p:nvPicPr>
+        <p:blipFill>
+          <a:blip r:embed="rId2">
+            <a:extLst/>
+          </a:blip>
+          <a:stretch>
+            <a:fillRect/>
+          </a:stretch>
+        </p:blipFill>
+        <p:spPr>
+          <a:xfrm>
+            <a:off x="1263120" y="-362480"/>
+            <a:ext cx="10478560" cy="10478560"/>
+          </a:xfrm>
+          <a:prstGeom prst="rect">
+            <a:avLst/>
+          </a:prstGeom>
+          <a:ln w="12700">
+            <a:miter lim="400000"/>
+          </a:ln>
+        </p:spPr>
+      </p:pic>
+    </p:spTree>
+  </p:cSld>
+  <p:clrMapOvr>
+    <a:masterClrMapping/>
+  </p:clrMapOvr>
+  <p:transition xmlns:p14="http://schemas.microsoft.com/office/powerpoint/2010/main" spd="med" advClick="1"/>
+</p:sld>
+</file>
+
+<file path=ppt/slides/slide7.xml><?xml version="1.0" encoding="utf-8"?>
+<p:sld xmlns:a="http://schemas.openxmlformats.org/drawingml/2006/main" xmlns:r="http://schemas.openxmlformats.org/officeDocument/2006/relationships" xmlns:p="http://schemas.openxmlformats.org/presentationml/2006/main" xmlns:m="http://schemas.openxmlformats.org/officeDocument/2006/math" xmlns:a14="http://schemas.microsoft.com/office/drawing/2010/main" showMasterSp="1" showMasterPhAnim="1">
+  <p:cSld>
+    <p:spTree>
+      <p:nvGrpSpPr>
+        <p:cNvPr id="1" name=""/>
+        <p:cNvGrpSpPr/>
+        <p:nvPr/>
+      </p:nvGrpSpPr>
+      <p:grpSpPr>
+        <a:xfrm>
+          <a:off x="0" y="0"/>
+          <a:ext cx="0" cy="0"/>
+          <a:chOff x="0" y="0"/>
+          <a:chExt cx="0" cy="0"/>
+        </a:xfrm>
+      </p:grpSpPr>
+      <p:pic>
+        <p:nvPicPr>
+          <p:cNvPr id="143" name="slide4.png" descr="slide4.png"/>
+          <p:cNvPicPr>
+            <a:picLocks noChangeAspect="1"/>
+          </p:cNvPicPr>
+          <p:nvPr/>
+        </p:nvPicPr>
+        <p:blipFill>
+          <a:blip r:embed="rId2">
+            <a:extLst/>
+          </a:blip>
+          <a:srcRect l="0" t="127" r="49900" b="127"/>
+          <a:stretch>
+            <a:fillRect/>
+          </a:stretch>
+        </p:blipFill>
+        <p:spPr>
+          <a:xfrm>
+            <a:off x="2425303" y="-3240274"/>
+            <a:ext cx="8154076" cy="16234328"/>
+          </a:xfrm>
+          <a:prstGeom prst="rect">
+            <a:avLst/>
+          </a:prstGeom>
+          <a:ln w="12700">
+            <a:miter lim="400000"/>
+          </a:ln>
+        </p:spPr>
+      </p:pic>
+    </p:spTree>
+  </p:cSld>
+  <p:clrMapOvr>
+    <a:masterClrMapping/>
+  </p:clrMapOvr>
+  <p:transition xmlns:p14="http://schemas.microsoft.com/office/powerpoint/2010/main" spd="med" advClick="1"/>
+</p:sld>
+</file>
+
+<file path=ppt/slides/slide8.xml><?xml version="1.0" encoding="utf-8"?>
+<p:sld xmlns:a="http://schemas.openxmlformats.org/drawingml/2006/main" xmlns:r="http://schemas.openxmlformats.org/officeDocument/2006/relationships" xmlns:p="http://schemas.openxmlformats.org/presentationml/2006/main" xmlns:m="http://schemas.openxmlformats.org/officeDocument/2006/math" xmlns:a14="http://schemas.microsoft.com/office/drawing/2010/main" showMasterSp="1" showMasterPhAnim="1">
+  <p:cSld>
+    <p:spTree>
+      <p:nvGrpSpPr>
+        <p:cNvPr id="1" name=""/>
+        <p:cNvGrpSpPr/>
+        <p:nvPr/>
+      </p:nvGrpSpPr>
+      <p:grpSpPr>
+        <a:xfrm>
+          <a:off x="0" y="0"/>
+          <a:ext cx="0" cy="0"/>
+          <a:chOff x="0" y="0"/>
+          <a:chExt cx="0" cy="0"/>
+        </a:xfrm>
+      </p:grpSpPr>
+      <p:pic>
+        <p:nvPicPr>
+          <p:cNvPr id="145" name="slide5.png" descr="slide5.png"/>
+          <p:cNvPicPr>
+            <a:picLocks noChangeAspect="1"/>
+          </p:cNvPicPr>
+          <p:nvPr/>
+        </p:nvPicPr>
+        <p:blipFill>
+          <a:blip r:embed="rId2">
+            <a:extLst/>
+          </a:blip>
+          <a:stretch>
+            <a:fillRect/>
+          </a:stretch>
+        </p:blipFill>
+        <p:spPr>
+          <a:xfrm>
+            <a:off x="1032967" y="-592633"/>
+            <a:ext cx="10938866" cy="10938866"/>
+          </a:xfrm>
+          <a:prstGeom prst="rect">
+            <a:avLst/>
+          </a:prstGeom>
+          <a:ln w="12700">
+            <a:miter lim="400000"/>
+          </a:ln>
+        </p:spPr>
+      </p:pic>
     </p:spTree>
   </p:cSld>
   <p:clrMapOvr>
